--- a/Project 1 PowerPoint.pptx
+++ b/Project 1 PowerPoint.pptx
@@ -5,10 +5,10 @@
     <p:sldMasterId id="2147483648" r:id="rId4"/>
   </p:sldMasterIdLst>
   <p:notesMasterIdLst>
-    <p:notesMasterId r:id="rId12"/>
+    <p:notesMasterId r:id="rId14"/>
   </p:notesMasterIdLst>
   <p:handoutMasterIdLst>
-    <p:handoutMasterId r:id="rId13"/>
+    <p:handoutMasterId r:id="rId15"/>
   </p:handoutMasterIdLst>
   <p:sldIdLst>
     <p:sldId id="256" r:id="rId5"/>
@@ -16,8 +16,10 @@
     <p:sldId id="272" r:id="rId7"/>
     <p:sldId id="265" r:id="rId8"/>
     <p:sldId id="273" r:id="rId9"/>
-    <p:sldId id="266" r:id="rId10"/>
-    <p:sldId id="271" r:id="rId11"/>
+    <p:sldId id="274" r:id="rId10"/>
+    <p:sldId id="275" r:id="rId11"/>
+    <p:sldId id="266" r:id="rId12"/>
+    <p:sldId id="271" r:id="rId13"/>
   </p:sldIdLst>
   <p:sldSz cx="12192000" cy="6858000"/>
   <p:notesSz cx="6858000" cy="9144000"/>
@@ -127,6 +129,14 @@
 </p:presentation>
 </file>
 
+<file path=ppt/revisionInfo.xml><?xml version="1.0" encoding="utf-8"?>
+<p1510:revInfo xmlns:a="http://schemas.openxmlformats.org/drawingml/2006/main" xmlns:r="http://schemas.openxmlformats.org/officeDocument/2006/relationships" xmlns:p1510="http://schemas.microsoft.com/office/powerpoint/2015/10/main">
+  <p1510:revLst>
+    <p1510:client id="{055A7CE9-1919-42B1-96BC-30D654F40B94}" v="9" dt="2023-02-08T02:59:56.359"/>
+  </p1510:revLst>
+</p1510:revInfo>
+</file>
+
 <file path=ppt/handoutMasters/handoutMaster1.xml><?xml version="1.0" encoding="utf-8"?>
 <p:handoutMaster xmlns:a="http://schemas.openxmlformats.org/drawingml/2006/main" xmlns:r="http://schemas.openxmlformats.org/officeDocument/2006/relationships" xmlns:p="http://schemas.openxmlformats.org/presentationml/2006/main">
   <p:cSld>
@@ -221,7 +231,7 @@
           <a:p>
             <a:fld id="{B56F32FC-4BD9-442A-A8C6-51598C909FE3}" type="datetimeFigureOut">
               <a:rPr lang="en-US" smtClean="0"/>
-              <a:t>2/6/23</a:t>
+              <a:t>2/7/2023</a:t>
             </a:fld>
             <a:endParaRPr lang="en-US" dirty="0"/>
           </a:p>
@@ -398,7 +408,7 @@
           <a:p>
             <a:fld id="{056371FA-A98D-41E8-93F4-09945841298A}" type="datetimeFigureOut">
               <a:rPr lang="en-US" smtClean="0"/>
-              <a:t>2/6/23</a:t>
+              <a:t>2/7/2023</a:t>
             </a:fld>
             <a:endParaRPr lang="en-US" dirty="0"/>
           </a:p>
@@ -9507,7 +9517,7 @@
         </p:spPr>
         <p:txBody>
           <a:bodyPr>
-            <a:normAutofit fontScale="70000" lnSpcReduction="20000"/>
+            <a:normAutofit fontScale="77500" lnSpcReduction="20000"/>
           </a:bodyPr>
           <a:lstStyle/>
           <a:p>
@@ -11665,6 +11675,659 @@
       </p:grpSpPr>
       <p:sp>
         <p:nvSpPr>
+          <p:cNvPr id="6" name="Title 5">
+            <a:extLst>
+              <a:ext uri="{FF2B5EF4-FFF2-40B4-BE49-F238E27FC236}">
+                <a16:creationId xmlns:a16="http://schemas.microsoft.com/office/drawing/2014/main" id="{58F16D6D-9D92-3C3E-0BEE-20845B872D91}"/>
+              </a:ext>
+            </a:extLst>
+          </p:cNvPr>
+          <p:cNvSpPr>
+            <a:spLocks noGrp="1"/>
+          </p:cNvSpPr>
+          <p:nvPr>
+            <p:ph type="title"/>
+          </p:nvPr>
+        </p:nvSpPr>
+        <p:spPr/>
+        <p:txBody>
+          <a:bodyPr/>
+          <a:lstStyle/>
+          <a:p>
+            <a:r>
+              <a:rPr lang="en-US" dirty="0"/>
+              <a:t>Global impact of federal interest rate</a:t>
+            </a:r>
+          </a:p>
+        </p:txBody>
+      </p:sp>
+      <p:sp>
+        <p:nvSpPr>
+          <p:cNvPr id="7" name="Text Placeholder 6">
+            <a:extLst>
+              <a:ext uri="{FF2B5EF4-FFF2-40B4-BE49-F238E27FC236}">
+                <a16:creationId xmlns:a16="http://schemas.microsoft.com/office/drawing/2014/main" id="{B7DC09C7-0643-2E82-0042-A628F210D4F1}"/>
+              </a:ext>
+            </a:extLst>
+          </p:cNvPr>
+          <p:cNvSpPr>
+            <a:spLocks noGrp="1"/>
+          </p:cNvSpPr>
+          <p:nvPr>
+            <p:ph type="body" idx="1"/>
+          </p:nvPr>
+        </p:nvSpPr>
+        <p:spPr>
+          <a:xfrm>
+            <a:off x="1243104" y="2556588"/>
+            <a:ext cx="2882475" cy="872412"/>
+          </a:xfrm>
+        </p:spPr>
+        <p:txBody>
+          <a:bodyPr/>
+          <a:lstStyle/>
+          <a:p>
+            <a:pPr algn="ctr"/>
+            <a:r>
+              <a:rPr lang="en-US" dirty="0"/>
+              <a:t>Economy Similar in Size as US</a:t>
+            </a:r>
+          </a:p>
+        </p:txBody>
+      </p:sp>
+      <p:pic>
+        <p:nvPicPr>
+          <p:cNvPr id="14" name="Content Placeholder 13">
+            <a:extLst>
+              <a:ext uri="{FF2B5EF4-FFF2-40B4-BE49-F238E27FC236}">
+                <a16:creationId xmlns:a16="http://schemas.microsoft.com/office/drawing/2014/main" id="{0F1B39B9-FE12-1DFF-8CD6-362ACA00A707}"/>
+              </a:ext>
+            </a:extLst>
+          </p:cNvPr>
+          <p:cNvPicPr>
+            <a:picLocks noGrp="1" noChangeAspect="1"/>
+          </p:cNvPicPr>
+          <p:nvPr>
+            <p:ph sz="half" idx="2"/>
+          </p:nvPr>
+        </p:nvPicPr>
+        <p:blipFill>
+          <a:blip r:embed="rId2">
+            <a:extLst>
+              <a:ext uri="{96DAC541-7B7A-43D3-8B79-37D633B846F1}">
+                <asvg:svgBlip xmlns:asvg="http://schemas.microsoft.com/office/drawing/2016/SVG/main" r:embed="rId3"/>
+              </a:ext>
+            </a:extLst>
+          </a:blip>
+          <a:stretch>
+            <a:fillRect/>
+          </a:stretch>
+        </p:blipFill>
+        <p:spPr>
+          <a:xfrm>
+            <a:off x="969840" y="3872176"/>
+            <a:ext cx="3429001" cy="2286000"/>
+          </a:xfrm>
+        </p:spPr>
+      </p:pic>
+      <p:sp>
+        <p:nvSpPr>
+          <p:cNvPr id="9" name="Text Placeholder 8">
+            <a:extLst>
+              <a:ext uri="{FF2B5EF4-FFF2-40B4-BE49-F238E27FC236}">
+                <a16:creationId xmlns:a16="http://schemas.microsoft.com/office/drawing/2014/main" id="{862764CF-524F-8BD9-432F-CE287E3799D8}"/>
+              </a:ext>
+            </a:extLst>
+          </p:cNvPr>
+          <p:cNvSpPr>
+            <a:spLocks noGrp="1"/>
+          </p:cNvSpPr>
+          <p:nvPr>
+            <p:ph type="body" sz="quarter" idx="3"/>
+          </p:nvPr>
+        </p:nvSpPr>
+        <p:spPr>
+          <a:xfrm>
+            <a:off x="4647665" y="2556588"/>
+            <a:ext cx="2896671" cy="872412"/>
+          </a:xfrm>
+        </p:spPr>
+        <p:txBody>
+          <a:bodyPr/>
+          <a:lstStyle/>
+          <a:p>
+            <a:pPr algn="ctr"/>
+            <a:r>
+              <a:rPr lang="en-US" dirty="0"/>
+              <a:t>Bottom of the ‘Top 50 Economies’</a:t>
+            </a:r>
+          </a:p>
+        </p:txBody>
+      </p:sp>
+      <p:pic>
+        <p:nvPicPr>
+          <p:cNvPr id="16" name="Content Placeholder 15">
+            <a:extLst>
+              <a:ext uri="{FF2B5EF4-FFF2-40B4-BE49-F238E27FC236}">
+                <a16:creationId xmlns:a16="http://schemas.microsoft.com/office/drawing/2014/main" id="{14479A5F-EA23-AF60-7DE8-7C19FBA92E8E}"/>
+              </a:ext>
+            </a:extLst>
+          </p:cNvPr>
+          <p:cNvPicPr>
+            <a:picLocks noGrp="1" noChangeAspect="1"/>
+          </p:cNvPicPr>
+          <p:nvPr>
+            <p:ph sz="quarter" idx="4"/>
+          </p:nvPr>
+        </p:nvPicPr>
+        <p:blipFill>
+          <a:blip r:embed="rId4">
+            <a:extLst>
+              <a:ext uri="{96DAC541-7B7A-43D3-8B79-37D633B846F1}">
+                <asvg:svgBlip xmlns:asvg="http://schemas.microsoft.com/office/drawing/2016/SVG/main" r:embed="rId5"/>
+              </a:ext>
+            </a:extLst>
+          </a:blip>
+          <a:stretch>
+            <a:fillRect/>
+          </a:stretch>
+        </p:blipFill>
+        <p:spPr>
+          <a:xfrm>
+            <a:off x="4381500" y="3872176"/>
+            <a:ext cx="3429000" cy="2286000"/>
+          </a:xfrm>
+        </p:spPr>
+      </p:pic>
+      <p:sp>
+        <p:nvSpPr>
+          <p:cNvPr id="11" name="Text Placeholder 10">
+            <a:extLst>
+              <a:ext uri="{FF2B5EF4-FFF2-40B4-BE49-F238E27FC236}">
+                <a16:creationId xmlns:a16="http://schemas.microsoft.com/office/drawing/2014/main" id="{ABBD7261-8EB8-F0FE-12CC-0974C33C57E1}"/>
+              </a:ext>
+            </a:extLst>
+          </p:cNvPr>
+          <p:cNvSpPr>
+            <a:spLocks noGrp="1"/>
+          </p:cNvSpPr>
+          <p:nvPr>
+            <p:ph type="body" idx="13"/>
+          </p:nvPr>
+        </p:nvSpPr>
+        <p:spPr>
+          <a:xfrm>
+            <a:off x="8066421" y="2556588"/>
+            <a:ext cx="2882475" cy="872412"/>
+          </a:xfrm>
+        </p:spPr>
+        <p:txBody>
+          <a:bodyPr/>
+          <a:lstStyle/>
+          <a:p>
+            <a:pPr algn="ctr"/>
+            <a:r>
+              <a:rPr lang="en-US" dirty="0"/>
+              <a:t>Economy of Third World Country</a:t>
+            </a:r>
+          </a:p>
+        </p:txBody>
+      </p:sp>
+      <p:pic>
+        <p:nvPicPr>
+          <p:cNvPr id="18" name="Content Placeholder 17">
+            <a:extLst>
+              <a:ext uri="{FF2B5EF4-FFF2-40B4-BE49-F238E27FC236}">
+                <a16:creationId xmlns:a16="http://schemas.microsoft.com/office/drawing/2014/main" id="{196D9922-7AB2-9E53-ADEF-36FAE9DC8829}"/>
+              </a:ext>
+            </a:extLst>
+          </p:cNvPr>
+          <p:cNvPicPr>
+            <a:picLocks noGrp="1" noChangeAspect="1"/>
+          </p:cNvPicPr>
+          <p:nvPr>
+            <p:ph sz="half" idx="14"/>
+          </p:nvPr>
+        </p:nvPicPr>
+        <p:blipFill>
+          <a:blip r:embed="rId6">
+            <a:extLst>
+              <a:ext uri="{96DAC541-7B7A-43D3-8B79-37D633B846F1}">
+                <asvg:svgBlip xmlns:asvg="http://schemas.microsoft.com/office/drawing/2016/SVG/main" r:embed="rId7"/>
+              </a:ext>
+            </a:extLst>
+          </a:blip>
+          <a:stretch>
+            <a:fillRect/>
+          </a:stretch>
+        </p:blipFill>
+        <p:spPr>
+          <a:xfrm>
+            <a:off x="7793157" y="3872176"/>
+            <a:ext cx="3429001" cy="2286000"/>
+          </a:xfrm>
+        </p:spPr>
+      </p:pic>
+      <p:sp>
+        <p:nvSpPr>
+          <p:cNvPr id="4" name="Footer Placeholder 3">
+            <a:extLst>
+              <a:ext uri="{FF2B5EF4-FFF2-40B4-BE49-F238E27FC236}">
+                <a16:creationId xmlns:a16="http://schemas.microsoft.com/office/drawing/2014/main" id="{02E41D2F-D900-C8B7-9488-918D489334BB}"/>
+              </a:ext>
+            </a:extLst>
+          </p:cNvPr>
+          <p:cNvSpPr>
+            <a:spLocks noGrp="1"/>
+          </p:cNvSpPr>
+          <p:nvPr>
+            <p:ph type="ftr" sz="quarter" idx="11"/>
+          </p:nvPr>
+        </p:nvSpPr>
+        <p:spPr>
+          <a:xfrm>
+            <a:off x="4812805" y="6356350"/>
+            <a:ext cx="4694853" cy="365125"/>
+          </a:xfrm>
+        </p:spPr>
+        <p:txBody>
+          <a:bodyPr/>
+          <a:lstStyle/>
+          <a:p>
+            <a:pPr algn="r"/>
+            <a:r>
+              <a:rPr lang="en-US" dirty="0"/>
+              <a:t>Impact of Interest Rates on Recessions, Inflation, Unemployment and the Global Economy</a:t>
+            </a:r>
+          </a:p>
+        </p:txBody>
+      </p:sp>
+      <p:sp>
+        <p:nvSpPr>
+          <p:cNvPr id="5" name="Slide Number Placeholder 4">
+            <a:extLst>
+              <a:ext uri="{FF2B5EF4-FFF2-40B4-BE49-F238E27FC236}">
+                <a16:creationId xmlns:a16="http://schemas.microsoft.com/office/drawing/2014/main" id="{E2C90DE5-D9E8-1793-1535-7843419C928F}"/>
+              </a:ext>
+            </a:extLst>
+          </p:cNvPr>
+          <p:cNvSpPr>
+            <a:spLocks noGrp="1"/>
+          </p:cNvSpPr>
+          <p:nvPr>
+            <p:ph type="sldNum" sz="quarter" idx="12"/>
+          </p:nvPr>
+        </p:nvSpPr>
+        <p:spPr/>
+        <p:txBody>
+          <a:bodyPr/>
+          <a:lstStyle/>
+          <a:p>
+            <a:fld id="{A49DFD55-3C28-40EF-9E31-A92D2E4017FF}" type="slidenum">
+              <a:rPr lang="en-US" smtClean="0"/>
+              <a:pPr/>
+              <a:t>6</a:t>
+            </a:fld>
+            <a:endParaRPr lang="en-US" dirty="0"/>
+          </a:p>
+        </p:txBody>
+      </p:sp>
+    </p:spTree>
+    <p:extLst>
+      <p:ext uri="{BB962C8B-B14F-4D97-AF65-F5344CB8AC3E}">
+        <p14:creationId xmlns:p14="http://schemas.microsoft.com/office/powerpoint/2010/main" val="3100899610"/>
+      </p:ext>
+    </p:extLst>
+  </p:cSld>
+  <p:clrMapOvr>
+    <a:masterClrMapping/>
+  </p:clrMapOvr>
+</p:sld>
+</file>
+
+<file path=ppt/slides/slide7.xml><?xml version="1.0" encoding="utf-8"?>
+<p:sld xmlns:a="http://schemas.openxmlformats.org/drawingml/2006/main" xmlns:r="http://schemas.openxmlformats.org/officeDocument/2006/relationships" xmlns:p="http://schemas.openxmlformats.org/presentationml/2006/main">
+  <p:cSld>
+    <p:spTree>
+      <p:nvGrpSpPr>
+        <p:cNvPr id="1" name=""/>
+        <p:cNvGrpSpPr/>
+        <p:nvPr/>
+      </p:nvGrpSpPr>
+      <p:grpSpPr>
+        <a:xfrm>
+          <a:off x="0" y="0"/>
+          <a:ext cx="0" cy="0"/>
+          <a:chOff x="0" y="0"/>
+          <a:chExt cx="0" cy="0"/>
+        </a:xfrm>
+      </p:grpSpPr>
+      <p:sp>
+        <p:nvSpPr>
+          <p:cNvPr id="2" name="Title 1">
+            <a:extLst>
+              <a:ext uri="{FF2B5EF4-FFF2-40B4-BE49-F238E27FC236}">
+                <a16:creationId xmlns:a16="http://schemas.microsoft.com/office/drawing/2014/main" id="{75621257-36B1-4993-D0CB-1CB65861CB4B}"/>
+              </a:ext>
+            </a:extLst>
+          </p:cNvPr>
+          <p:cNvSpPr>
+            <a:spLocks noGrp="1"/>
+          </p:cNvSpPr>
+          <p:nvPr>
+            <p:ph type="title"/>
+          </p:nvPr>
+        </p:nvSpPr>
+        <p:spPr/>
+        <p:txBody>
+          <a:bodyPr/>
+          <a:lstStyle/>
+          <a:p>
+            <a:r>
+              <a:rPr lang="en-US" dirty="0"/>
+              <a:t>Global impact of federal interest rate</a:t>
+            </a:r>
+          </a:p>
+        </p:txBody>
+      </p:sp>
+      <p:sp>
+        <p:nvSpPr>
+          <p:cNvPr id="3" name="Text Placeholder 2">
+            <a:extLst>
+              <a:ext uri="{FF2B5EF4-FFF2-40B4-BE49-F238E27FC236}">
+                <a16:creationId xmlns:a16="http://schemas.microsoft.com/office/drawing/2014/main" id="{5D9A53FE-7F8D-85BF-322A-DA64866D132F}"/>
+              </a:ext>
+            </a:extLst>
+          </p:cNvPr>
+          <p:cNvSpPr>
+            <a:spLocks noGrp="1"/>
+          </p:cNvSpPr>
+          <p:nvPr>
+            <p:ph type="body" idx="1"/>
+          </p:nvPr>
+        </p:nvSpPr>
+        <p:spPr>
+          <a:xfrm>
+            <a:off x="1243104" y="2217740"/>
+            <a:ext cx="2882475" cy="1211260"/>
+          </a:xfrm>
+        </p:spPr>
+        <p:txBody>
+          <a:bodyPr/>
+          <a:lstStyle/>
+          <a:p>
+            <a:pPr algn="ctr"/>
+            <a:r>
+              <a:rPr lang="en-US" dirty="0"/>
+              <a:t>Moderate Negative Correlation</a:t>
+            </a:r>
+          </a:p>
+        </p:txBody>
+      </p:sp>
+      <p:pic>
+        <p:nvPicPr>
+          <p:cNvPr id="12" name="Content Placeholder 11">
+            <a:extLst>
+              <a:ext uri="{FF2B5EF4-FFF2-40B4-BE49-F238E27FC236}">
+                <a16:creationId xmlns:a16="http://schemas.microsoft.com/office/drawing/2014/main" id="{26B6F998-AD3A-E722-2576-ECD95478DE89}"/>
+              </a:ext>
+            </a:extLst>
+          </p:cNvPr>
+          <p:cNvPicPr>
+            <a:picLocks noGrp="1" noChangeAspect="1"/>
+          </p:cNvPicPr>
+          <p:nvPr>
+            <p:ph sz="half" idx="2"/>
+          </p:nvPr>
+        </p:nvPicPr>
+        <p:blipFill>
+          <a:blip r:embed="rId2">
+            <a:extLst>
+              <a:ext uri="{96DAC541-7B7A-43D3-8B79-37D633B846F1}">
+                <asvg:svgBlip xmlns:asvg="http://schemas.microsoft.com/office/drawing/2016/SVG/main" r:embed="rId3"/>
+              </a:ext>
+            </a:extLst>
+          </a:blip>
+          <a:stretch>
+            <a:fillRect/>
+          </a:stretch>
+        </p:blipFill>
+        <p:spPr>
+          <a:xfrm>
+            <a:off x="969840" y="3872176"/>
+            <a:ext cx="3429001" cy="2286000"/>
+          </a:xfrm>
+        </p:spPr>
+      </p:pic>
+      <p:sp>
+        <p:nvSpPr>
+          <p:cNvPr id="5" name="Text Placeholder 4">
+            <a:extLst>
+              <a:ext uri="{FF2B5EF4-FFF2-40B4-BE49-F238E27FC236}">
+                <a16:creationId xmlns:a16="http://schemas.microsoft.com/office/drawing/2014/main" id="{BCB71E21-2ED4-6579-3732-4DDF445C9474}"/>
+              </a:ext>
+            </a:extLst>
+          </p:cNvPr>
+          <p:cNvSpPr>
+            <a:spLocks noGrp="1"/>
+          </p:cNvSpPr>
+          <p:nvPr>
+            <p:ph type="body" sz="quarter" idx="3"/>
+          </p:nvPr>
+        </p:nvSpPr>
+        <p:spPr>
+          <a:xfrm>
+            <a:off x="4647665" y="2275286"/>
+            <a:ext cx="2896671" cy="1153714"/>
+          </a:xfrm>
+        </p:spPr>
+        <p:txBody>
+          <a:bodyPr/>
+          <a:lstStyle/>
+          <a:p>
+            <a:pPr algn="ctr"/>
+            <a:r>
+              <a:rPr lang="en-US" dirty="0"/>
+              <a:t>Moderate Negative Correlation</a:t>
+            </a:r>
+          </a:p>
+        </p:txBody>
+      </p:sp>
+      <p:pic>
+        <p:nvPicPr>
+          <p:cNvPr id="14" name="Content Placeholder 13">
+            <a:extLst>
+              <a:ext uri="{FF2B5EF4-FFF2-40B4-BE49-F238E27FC236}">
+                <a16:creationId xmlns:a16="http://schemas.microsoft.com/office/drawing/2014/main" id="{2FA11020-CDA1-777D-2D45-122AD883D72C}"/>
+              </a:ext>
+            </a:extLst>
+          </p:cNvPr>
+          <p:cNvPicPr>
+            <a:picLocks noGrp="1" noChangeAspect="1"/>
+          </p:cNvPicPr>
+          <p:nvPr>
+            <p:ph sz="quarter" idx="4"/>
+          </p:nvPr>
+        </p:nvPicPr>
+        <p:blipFill>
+          <a:blip r:embed="rId4">
+            <a:extLst>
+              <a:ext uri="{96DAC541-7B7A-43D3-8B79-37D633B846F1}">
+                <asvg:svgBlip xmlns:asvg="http://schemas.microsoft.com/office/drawing/2016/SVG/main" r:embed="rId5"/>
+              </a:ext>
+            </a:extLst>
+          </a:blip>
+          <a:stretch>
+            <a:fillRect/>
+          </a:stretch>
+        </p:blipFill>
+        <p:spPr>
+          <a:xfrm>
+            <a:off x="4381500" y="3872176"/>
+            <a:ext cx="3429000" cy="2286000"/>
+          </a:xfrm>
+        </p:spPr>
+      </p:pic>
+      <p:sp>
+        <p:nvSpPr>
+          <p:cNvPr id="7" name="Text Placeholder 6">
+            <a:extLst>
+              <a:ext uri="{FF2B5EF4-FFF2-40B4-BE49-F238E27FC236}">
+                <a16:creationId xmlns:a16="http://schemas.microsoft.com/office/drawing/2014/main" id="{8097AA3A-AE89-D217-20F8-09F5CC5203CF}"/>
+              </a:ext>
+            </a:extLst>
+          </p:cNvPr>
+          <p:cNvSpPr>
+            <a:spLocks noGrp="1"/>
+          </p:cNvSpPr>
+          <p:nvPr>
+            <p:ph type="body" idx="13"/>
+          </p:nvPr>
+        </p:nvSpPr>
+        <p:spPr>
+          <a:xfrm>
+            <a:off x="8066421" y="2275285"/>
+            <a:ext cx="2882475" cy="1153714"/>
+          </a:xfrm>
+        </p:spPr>
+        <p:txBody>
+          <a:bodyPr/>
+          <a:lstStyle/>
+          <a:p>
+            <a:pPr algn="ctr"/>
+            <a:r>
+              <a:rPr lang="en-US" dirty="0"/>
+              <a:t>Weak Negative Correlation</a:t>
+            </a:r>
+          </a:p>
+        </p:txBody>
+      </p:sp>
+      <p:pic>
+        <p:nvPicPr>
+          <p:cNvPr id="16" name="Content Placeholder 15">
+            <a:extLst>
+              <a:ext uri="{FF2B5EF4-FFF2-40B4-BE49-F238E27FC236}">
+                <a16:creationId xmlns:a16="http://schemas.microsoft.com/office/drawing/2014/main" id="{1EDBDB60-3128-F8A9-F56F-6CD9E2DFC9BE}"/>
+              </a:ext>
+            </a:extLst>
+          </p:cNvPr>
+          <p:cNvPicPr>
+            <a:picLocks noGrp="1" noChangeAspect="1"/>
+          </p:cNvPicPr>
+          <p:nvPr>
+            <p:ph sz="half" idx="14"/>
+          </p:nvPr>
+        </p:nvPicPr>
+        <p:blipFill>
+          <a:blip r:embed="rId6">
+            <a:extLst>
+              <a:ext uri="{96DAC541-7B7A-43D3-8B79-37D633B846F1}">
+                <asvg:svgBlip xmlns:asvg="http://schemas.microsoft.com/office/drawing/2016/SVG/main" r:embed="rId7"/>
+              </a:ext>
+            </a:extLst>
+          </a:blip>
+          <a:stretch>
+            <a:fillRect/>
+          </a:stretch>
+        </p:blipFill>
+        <p:spPr>
+          <a:xfrm>
+            <a:off x="7793157" y="3872176"/>
+            <a:ext cx="3429001" cy="2286000"/>
+          </a:xfrm>
+        </p:spPr>
+      </p:pic>
+      <p:sp>
+        <p:nvSpPr>
+          <p:cNvPr id="9" name="Footer Placeholder 8">
+            <a:extLst>
+              <a:ext uri="{FF2B5EF4-FFF2-40B4-BE49-F238E27FC236}">
+                <a16:creationId xmlns:a16="http://schemas.microsoft.com/office/drawing/2014/main" id="{325FD374-F8BA-F2D2-87E4-AABD4C1438CE}"/>
+              </a:ext>
+            </a:extLst>
+          </p:cNvPr>
+          <p:cNvSpPr>
+            <a:spLocks noGrp="1"/>
+          </p:cNvSpPr>
+          <p:nvPr>
+            <p:ph type="ftr" sz="quarter" idx="11"/>
+          </p:nvPr>
+        </p:nvSpPr>
+        <p:spPr/>
+        <p:txBody>
+          <a:bodyPr/>
+          <a:lstStyle/>
+          <a:p>
+            <a:r>
+              <a:rPr lang="en-US"/>
+              <a:t>PRESENTATION TITLE</a:t>
+            </a:r>
+            <a:endParaRPr lang="en-US" dirty="0"/>
+          </a:p>
+        </p:txBody>
+      </p:sp>
+      <p:sp>
+        <p:nvSpPr>
+          <p:cNvPr id="10" name="Slide Number Placeholder 9">
+            <a:extLst>
+              <a:ext uri="{FF2B5EF4-FFF2-40B4-BE49-F238E27FC236}">
+                <a16:creationId xmlns:a16="http://schemas.microsoft.com/office/drawing/2014/main" id="{953620E3-9D99-CB6D-195D-9E0472F3731A}"/>
+              </a:ext>
+            </a:extLst>
+          </p:cNvPr>
+          <p:cNvSpPr>
+            <a:spLocks noGrp="1"/>
+          </p:cNvSpPr>
+          <p:nvPr>
+            <p:ph type="sldNum" sz="quarter" idx="12"/>
+          </p:nvPr>
+        </p:nvSpPr>
+        <p:spPr/>
+        <p:txBody>
+          <a:bodyPr/>
+          <a:lstStyle/>
+          <a:p>
+            <a:fld id="{A49DFD55-3C28-40EF-9E31-A92D2E4017FF}" type="slidenum">
+              <a:rPr lang="en-US" smtClean="0"/>
+              <a:pPr/>
+              <a:t>7</a:t>
+            </a:fld>
+            <a:endParaRPr lang="en-US" dirty="0"/>
+          </a:p>
+        </p:txBody>
+      </p:sp>
+    </p:spTree>
+    <p:extLst>
+      <p:ext uri="{BB962C8B-B14F-4D97-AF65-F5344CB8AC3E}">
+        <p14:creationId xmlns:p14="http://schemas.microsoft.com/office/powerpoint/2010/main" val="3986779165"/>
+      </p:ext>
+    </p:extLst>
+  </p:cSld>
+  <p:clrMapOvr>
+    <a:masterClrMapping/>
+  </p:clrMapOvr>
+</p:sld>
+</file>
+
+<file path=ppt/slides/slide8.xml><?xml version="1.0" encoding="utf-8"?>
+<p:sld xmlns:a="http://schemas.openxmlformats.org/drawingml/2006/main" xmlns:r="http://schemas.openxmlformats.org/officeDocument/2006/relationships" xmlns:p="http://schemas.openxmlformats.org/presentationml/2006/main">
+  <p:cSld>
+    <p:spTree>
+      <p:nvGrpSpPr>
+        <p:cNvPr id="1" name=""/>
+        <p:cNvGrpSpPr/>
+        <p:nvPr/>
+      </p:nvGrpSpPr>
+      <p:grpSpPr>
+        <a:xfrm>
+          <a:off x="0" y="0"/>
+          <a:ext cx="0" cy="0"/>
+          <a:chOff x="0" y="0"/>
+          <a:chExt cx="0" cy="0"/>
+        </a:xfrm>
+      </p:grpSpPr>
+      <p:sp>
+        <p:nvSpPr>
           <p:cNvPr id="2" name="Title 1">
             <a:extLst>
               <a:ext uri="{FF2B5EF4-FFF2-40B4-BE49-F238E27FC236}">
@@ -11803,7 +12466,7 @@
             <a:fld id="{A49DFD55-3C28-40EF-9E31-A92D2E4017FF}" type="slidenum">
               <a:rPr lang="en-US" smtClean="0"/>
               <a:pPr/>
-              <a:t>6</a:t>
+              <a:t>8</a:t>
             </a:fld>
             <a:endParaRPr lang="en-US" dirty="0"/>
           </a:p>
@@ -11822,7 +12485,7 @@
 </p:sld>
 </file>
 
-<file path=ppt/slides/slide7.xml><?xml version="1.0" encoding="utf-8"?>
+<file path=ppt/slides/slide9.xml><?xml version="1.0" encoding="utf-8"?>
 <p:sld xmlns:a="http://schemas.openxmlformats.org/drawingml/2006/main" xmlns:r="http://schemas.openxmlformats.org/officeDocument/2006/relationships" xmlns:p="http://schemas.openxmlformats.org/presentationml/2006/main">
   <p:cSld>
     <p:bg>
@@ -14376,7 +15039,7 @@
                   <a:spcPts val="600"/>
                 </a:spcAft>
               </a:pPr>
-              <a:t>7</a:t>
+              <a:t>9</a:t>
             </a:fld>
             <a:endParaRPr lang="en-US"/>
           </a:p>
@@ -15187,6 +15850,15 @@
 </file>
 
 <file path=customXml/item1.xml><?xml version="1.0" encoding="utf-8"?>
+<?mso-contentType ?>
+<FormTemplates xmlns="http://schemas.microsoft.com/sharepoint/v3/contenttype/forms">
+  <Display>DocumentLibraryForm</Display>
+  <Edit>DocumentLibraryForm</Edit>
+  <New>DocumentLibraryForm</New>
+</FormTemplates>
+</file>
+
+<file path=customXml/item2.xml><?xml version="1.0" encoding="utf-8"?>
 <p:properties xmlns:p="http://schemas.microsoft.com/office/2006/metadata/properties" xmlns:xsi="http://www.w3.org/2001/XMLSchema-instance" xmlns:pc="http://schemas.microsoft.com/office/infopath/2007/PartnerControls">
   <documentManagement>
     <_ip_UnifiedCompliancePolicyUIAction xmlns="http://schemas.microsoft.com/sharepoint/v3" xsi:nil="true"/>
@@ -15203,15 +15875,6 @@
     <MediaServiceKeyPoints xmlns="71af3243-3dd4-4a8d-8c0d-dd76da1f02a5" xsi:nil="true"/>
   </documentManagement>
 </p:properties>
-</file>
-
-<file path=customXml/item2.xml><?xml version="1.0" encoding="utf-8"?>
-<?mso-contentType ?>
-<FormTemplates xmlns="http://schemas.microsoft.com/sharepoint/v3/contenttype/forms">
-  <Display>DocumentLibraryForm</Display>
-  <Edit>DocumentLibraryForm</Edit>
-  <New>DocumentLibraryForm</New>
-</FormTemplates>
 </file>
 
 <file path=customXml/item3.xml><?xml version="1.0" encoding="utf-8"?>
@@ -15491,6 +16154,14 @@
 </file>
 
 <file path=customXml/itemProps1.xml><?xml version="1.0" encoding="utf-8"?>
+<ds:datastoreItem xmlns:ds="http://schemas.openxmlformats.org/officeDocument/2006/customXml" ds:itemID="{BD5826B4-4DD2-4A9B-8D6D-E91CF9C2316C}">
+  <ds:schemaRefs>
+    <ds:schemaRef ds:uri="http://schemas.microsoft.com/sharepoint/v3/contenttype/forms"/>
+  </ds:schemaRefs>
+</ds:datastoreItem>
+</file>
+
+<file path=customXml/itemProps2.xml><?xml version="1.0" encoding="utf-8"?>
 <ds:datastoreItem xmlns:ds="http://schemas.openxmlformats.org/officeDocument/2006/customXml" ds:itemID="{4CC7F809-A434-4A8D-A127-1C50C2DB3890}">
   <ds:schemaRefs>
     <ds:schemaRef ds:uri="http://schemas.microsoft.com/office/2006/metadata/properties"/>
@@ -15498,14 +16169,6 @@
     <ds:schemaRef ds:uri="http://schemas.microsoft.com/sharepoint/v3"/>
     <ds:schemaRef ds:uri="71af3243-3dd4-4a8d-8c0d-dd76da1f02a5"/>
     <ds:schemaRef ds:uri="230e9df3-be65-4c73-a93b-d1236ebd677e"/>
-  </ds:schemaRefs>
-</ds:datastoreItem>
-</file>
-
-<file path=customXml/itemProps2.xml><?xml version="1.0" encoding="utf-8"?>
-<ds:datastoreItem xmlns:ds="http://schemas.openxmlformats.org/officeDocument/2006/customXml" ds:itemID="{BD5826B4-4DD2-4A9B-8D6D-E91CF9C2316C}">
-  <ds:schemaRefs>
-    <ds:schemaRef ds:uri="http://schemas.microsoft.com/sharepoint/v3/contenttype/forms"/>
   </ds:schemaRefs>
 </ds:datastoreItem>
 </file>
